--- a/Rapport/Projet Graphe Algo.pptx
+++ b/Rapport/Projet Graphe Algo.pptx
@@ -111,6 +111,11 @@
       </a:defRPr>
     </a:lvl9pPr>
   </p:defaultTextStyle>
+  <p:extLst>
+    <p:ext uri="{EFAFB233-063F-42B5-8137-9DF3F51BA10A}">
+      <p15:sldGuideLst xmlns:p15="http://schemas.microsoft.com/office/powerpoint/2012/main"/>
+    </p:ext>
+  </p:extLst>
 </p:presentation>
 </file>
 
@@ -4009,7 +4014,66 @@
           <a:bodyPr/>
           <a:lstStyle/>
           <a:p>
-            <a:endParaRPr lang="fr-FR"/>
+            <a:endParaRPr lang="fr-FR" dirty="0"/>
+          </a:p>
+          <a:p>
+            <a:pPr marL="0" indent="0">
+              <a:buNone/>
+            </a:pPr>
+            <a:r>
+              <a:rPr lang="fr-FR" dirty="0" err="1"/>
+              <a:t>Itineraire</a:t>
+            </a:r>
+            <a:endParaRPr lang="fr-FR" dirty="0"/>
+          </a:p>
+          <a:p>
+            <a:pPr marL="0" indent="0">
+              <a:buNone/>
+            </a:pPr>
+            <a:r>
+              <a:rPr lang="fr-FR" dirty="0"/>
+              <a:t>-&gt; objet		-&gt; matrice d’adjacence</a:t>
+            </a:r>
+          </a:p>
+          <a:p>
+            <a:pPr marL="1577600" lvl="8" indent="0">
+              <a:buNone/>
+            </a:pPr>
+            <a:r>
+              <a:rPr lang="fr-FR" dirty="0"/>
+              <a:t>	</a:t>
+            </a:r>
+            <a:r>
+              <a:rPr lang="fr-FR" sz="2200" dirty="0"/>
+              <a:t>-&gt; file de successeur</a:t>
+            </a:r>
+          </a:p>
+          <a:p>
+            <a:pPr marL="1577600" lvl="8" indent="0">
+              <a:buNone/>
+            </a:pPr>
+            <a:r>
+              <a:rPr lang="fr-FR" sz="2200" dirty="0"/>
+              <a:t>	-&gt; pointeurs</a:t>
+            </a:r>
+          </a:p>
+          <a:p>
+            <a:pPr marL="1577600" lvl="8" indent="0">
+              <a:buNone/>
+            </a:pPr>
+            <a:endParaRPr lang="fr-FR" dirty="0"/>
+          </a:p>
+          <a:p>
+            <a:pPr marL="0" indent="0">
+              <a:buNone/>
+            </a:pPr>
+            <a:r>
+              <a:rPr lang="fr-FR" dirty="0"/>
+              <a:t>-&gt;fichier</a:t>
+            </a:r>
+          </a:p>
+          <a:p>
+            <a:endParaRPr lang="fr-FR" dirty="0"/>
           </a:p>
         </p:txBody>
       </p:sp>
